--- a/Images/random_images_presentation.pptx
+++ b/Images/random_images_presentation.pptx
@@ -9,6 +9,7 @@
     <p:sldId id="257" r:id="rId8"/>
     <p:sldId id="258" r:id="rId9"/>
     <p:sldId id="259" r:id="rId10"/>
+    <p:sldId id="260" r:id="rId11"/>
   </p:sldIdLst>
   <p:sldSz cx="9144000" cy="6858000" type="screen4x3"/>
   <p:notesSz cx="6858000" cy="9144000"/>
@@ -3107,8 +3108,8 @@
         </p:blipFill>
         <p:spPr>
           <a:xfrm>
-            <a:off x="1371600" y="457200"/>
-            <a:ext cx="5486400" cy="5486400"/>
+            <a:off x="457200" y="1371600"/>
+            <a:ext cx="7315200" cy="3657600"/>
           </a:xfrm>
           <a:prstGeom prst="rect">
             <a:avLst/>
@@ -3123,8 +3124,8 @@
         </p:nvSpPr>
         <p:spPr>
           <a:xfrm>
-            <a:off x="457200" y="6217920"/>
-            <a:ext cx="8229600" cy="914400"/>
+            <a:off x="457200" y="5943600"/>
+            <a:ext cx="7315200" cy="914400"/>
           </a:xfrm>
           <a:prstGeom prst="rect">
             <a:avLst/>
@@ -3185,8 +3186,8 @@
         </p:blipFill>
         <p:spPr>
           <a:xfrm>
-            <a:off x="457200" y="922613"/>
-            <a:ext cx="7315200" cy="4555573"/>
+            <a:off x="457200" y="1371600"/>
+            <a:ext cx="7315200" cy="3657600"/>
           </a:xfrm>
           <a:prstGeom prst="rect">
             <a:avLst/>
@@ -3201,8 +3202,8 @@
         </p:nvSpPr>
         <p:spPr>
           <a:xfrm>
-            <a:off x="457200" y="6217920"/>
-            <a:ext cx="8229600" cy="914400"/>
+            <a:off x="457200" y="5943600"/>
+            <a:ext cx="7315200" cy="914400"/>
           </a:xfrm>
           <a:prstGeom prst="rect">
             <a:avLst/>
@@ -3263,8 +3264,8 @@
         </p:blipFill>
         <p:spPr>
           <a:xfrm>
-            <a:off x="1382866" y="457200"/>
-            <a:ext cx="5463868" cy="5486400"/>
+            <a:off x="457200" y="1371600"/>
+            <a:ext cx="7315200" cy="3657600"/>
           </a:xfrm>
           <a:prstGeom prst="rect">
             <a:avLst/>
@@ -3279,8 +3280,8 @@
         </p:nvSpPr>
         <p:spPr>
           <a:xfrm>
-            <a:off x="457200" y="6217920"/>
-            <a:ext cx="8229600" cy="914400"/>
+            <a:off x="457200" y="5943600"/>
+            <a:ext cx="7315200" cy="914400"/>
           </a:xfrm>
           <a:prstGeom prst="rect">
             <a:avLst/>
@@ -3345,8 +3346,8 @@
         </p:blipFill>
         <p:spPr>
           <a:xfrm>
-            <a:off x="1371600" y="457200"/>
-            <a:ext cx="5486400" cy="5486400"/>
+            <a:off x="457200" y="1371600"/>
+            <a:ext cx="7315200" cy="3657600"/>
           </a:xfrm>
           <a:prstGeom prst="rect">
             <a:avLst/>
@@ -3361,8 +3362,8 @@
         </p:nvSpPr>
         <p:spPr>
           <a:xfrm>
-            <a:off x="457200" y="6217920"/>
-            <a:ext cx="8229600" cy="914400"/>
+            <a:off x="457200" y="5943600"/>
+            <a:ext cx="7315200" cy="914400"/>
           </a:xfrm>
           <a:prstGeom prst="rect">
             <a:avLst/>
@@ -3385,6 +3386,88 @@
             </a:pPr>
             <a:r>
               <a:t>lorem ipsum dappadi skibbum duolitar</a:t>
+            </a:r>
+          </a:p>
+        </p:txBody>
+      </p:sp>
+    </p:spTree>
+  </p:cSld>
+  <p:clrMapOvr>
+    <a:masterClrMapping/>
+  </p:clrMapOvr>
+</p:sld>
+</file>
+
+<file path=ppt/slides/slide5.xml><?xml version="1.0" encoding="utf-8"?>
+<p:sld xmlns:a="http://schemas.openxmlformats.org/drawingml/2006/main" xmlns:p="http://schemas.openxmlformats.org/presentationml/2006/main" xmlns:r="http://schemas.openxmlformats.org/officeDocument/2006/relationships">
+  <p:cSld>
+    <p:spTree>
+      <p:nvGrpSpPr>
+        <p:cNvPr id="1" name=""/>
+        <p:cNvGrpSpPr/>
+        <p:nvPr/>
+      </p:nvGrpSpPr>
+      <p:grpSpPr/>
+      <p:pic>
+        <p:nvPicPr>
+          <p:cNvPr id="2" name="Picture 1" descr="Do not attend calls from strangers and do not eat what they give.png"/>
+          <p:cNvPicPr>
+            <a:picLocks noChangeAspect="1"/>
+          </p:cNvPicPr>
+          <p:nvPr/>
+        </p:nvPicPr>
+        <p:blipFill>
+          <a:blip r:embed="rId2"/>
+          <a:stretch>
+            <a:fillRect/>
+          </a:stretch>
+        </p:blipFill>
+        <p:spPr>
+          <a:xfrm>
+            <a:off x="457200" y="1371600"/>
+            <a:ext cx="7315200" cy="3657600"/>
+          </a:xfrm>
+          <a:prstGeom prst="rect">
+            <a:avLst/>
+          </a:prstGeom>
+        </p:spPr>
+      </p:pic>
+      <p:sp>
+        <p:nvSpPr>
+          <p:cNvPr id="3" name="TextBox 2"/>
+          <p:cNvSpPr txBox="1"/>
+          <p:nvPr/>
+        </p:nvSpPr>
+        <p:spPr>
+          <a:xfrm>
+            <a:off x="457200" y="5943600"/>
+            <a:ext cx="7315200" cy="914400"/>
+          </a:xfrm>
+          <a:prstGeom prst="rect">
+            <a:avLst/>
+          </a:prstGeom>
+          <a:noFill/>
+        </p:spPr>
+        <p:txBody>
+          <a:bodyPr wrap="none">
+            <a:spAutoFit/>
+          </a:bodyPr>
+          <a:lstStyle/>
+          <a:p>
+            <a:pPr algn="just">
+              <a:defRPr sz="1800" b="1">
+                <a:solidFill>
+                  <a:srgbClr val="000000"/>
+                </a:solidFill>
+                <a:latin typeface="Calibri"/>
+              </a:defRPr>
+            </a:pPr>
+            <a:r>
+              <a:t>Do not attend calls from strangers and do not eat what they</a:t>
+            </a:r>
+            <a:br/>
+            <a:r>
+              <a:t>give</a:t>
             </a:r>
           </a:p>
         </p:txBody>
